--- a/Similarity of the Neighbourhoods in Toronto and New York Presentation.pptx
+++ b/Similarity of the Neighbourhoods in Toronto and New York Presentation.pptx
@@ -11,8 +11,9 @@
     <p:sldId id="259" r:id="rId5"/>
     <p:sldId id="261" r:id="rId6"/>
     <p:sldId id="260" r:id="rId7"/>
-    <p:sldId id="262" r:id="rId8"/>
-    <p:sldId id="263" r:id="rId9"/>
+    <p:sldId id="264" r:id="rId8"/>
+    <p:sldId id="262" r:id="rId9"/>
+    <p:sldId id="263" r:id="rId10"/>
   </p:sldIdLst>
   <p:sldSz cx="12192000" cy="6858000"/>
   <p:notesSz cx="6858000" cy="9144000"/>
@@ -111,6 +112,11 @@
       </a:defRPr>
     </a:lvl9pPr>
   </p:defaultTextStyle>
+  <p:extLst>
+    <p:ext uri="{EFAFB233-063F-42B5-8137-9DF3F51BA10A}">
+      <p15:sldGuideLst xmlns:p15="http://schemas.microsoft.com/office/powerpoint/2012/main"/>
+    </p:ext>
+  </p:extLst>
 </p:presentation>
 </file>
 
@@ -6733,7 +6739,267 @@
           <a:p>
             <a:r>
               <a:rPr lang="en-GB" dirty="0"/>
-              <a:t>Results</a:t>
+              <a:t>Before Clustering</a:t>
+            </a:r>
+          </a:p>
+        </p:txBody>
+      </p:sp>
+      <p:sp>
+        <p:nvSpPr>
+          <p:cNvPr id="6" name="TextBox 5">
+            <a:extLst>
+              <a:ext uri="{FF2B5EF4-FFF2-40B4-BE49-F238E27FC236}">
+                <a16:creationId xmlns:a16="http://schemas.microsoft.com/office/drawing/2014/main" id="{00DC08D6-4432-4C8A-96EB-4C2E12D67314}"/>
+              </a:ext>
+            </a:extLst>
+          </p:cNvPr>
+          <p:cNvSpPr txBox="1"/>
+          <p:nvPr/>
+        </p:nvSpPr>
+        <p:spPr>
+          <a:xfrm>
+            <a:off x="2608008" y="1514355"/>
+            <a:ext cx="3205316" cy="369332"/>
+          </a:xfrm>
+          <a:prstGeom prst="rect">
+            <a:avLst/>
+          </a:prstGeom>
+          <a:noFill/>
+        </p:spPr>
+        <p:txBody>
+          <a:bodyPr wrap="square" rtlCol="0">
+            <a:spAutoFit/>
+          </a:bodyPr>
+          <a:lstStyle/>
+          <a:p>
+            <a:r>
+              <a:rPr lang="en-GB" dirty="0"/>
+              <a:t>Toronto</a:t>
+            </a:r>
+          </a:p>
+        </p:txBody>
+      </p:sp>
+      <p:sp>
+        <p:nvSpPr>
+          <p:cNvPr id="7" name="Title 1">
+            <a:extLst>
+              <a:ext uri="{FF2B5EF4-FFF2-40B4-BE49-F238E27FC236}">
+                <a16:creationId xmlns:a16="http://schemas.microsoft.com/office/drawing/2014/main" id="{72E5E383-54E7-4F94-AAD0-C331DC789D0A}"/>
+              </a:ext>
+            </a:extLst>
+          </p:cNvPr>
+          <p:cNvSpPr txBox="1">
+            <a:spLocks/>
+          </p:cNvSpPr>
+          <p:nvPr/>
+        </p:nvSpPr>
+        <p:spPr>
+          <a:xfrm>
+            <a:off x="838200" y="333899"/>
+            <a:ext cx="10515600" cy="1325563"/>
+          </a:xfrm>
+          <a:prstGeom prst="rect">
+            <a:avLst/>
+          </a:prstGeom>
+        </p:spPr>
+        <p:txBody>
+          <a:bodyPr vert="horz" lIns="91440" tIns="45720" rIns="91440" bIns="45720" rtlCol="0" anchor="ctr">
+            <a:normAutofit/>
+          </a:bodyPr>
+          <a:lstStyle>
+            <a:lvl1pPr algn="l" defTabSz="914400" rtl="0" eaLnBrk="1" latinLnBrk="0" hangingPunct="1">
+              <a:lnSpc>
+                <a:spcPct val="90000"/>
+              </a:lnSpc>
+              <a:spcBef>
+                <a:spcPct val="0"/>
+              </a:spcBef>
+              <a:buNone/>
+              <a:defRPr sz="4400" kern="1200">
+                <a:solidFill>
+                  <a:schemeClr val="tx1"/>
+                </a:solidFill>
+                <a:latin typeface="+mj-lt"/>
+                <a:ea typeface="+mj-ea"/>
+                <a:cs typeface="+mj-cs"/>
+              </a:defRPr>
+            </a:lvl1pPr>
+          </a:lstStyle>
+          <a:p>
+            <a:endParaRPr lang="en-GB" dirty="0"/>
+          </a:p>
+        </p:txBody>
+      </p:sp>
+      <p:sp>
+        <p:nvSpPr>
+          <p:cNvPr id="8" name="TextBox 7">
+            <a:extLst>
+              <a:ext uri="{FF2B5EF4-FFF2-40B4-BE49-F238E27FC236}">
+                <a16:creationId xmlns:a16="http://schemas.microsoft.com/office/drawing/2014/main" id="{720FFE7F-B7A5-41B5-B9C2-69A4D95F05E2}"/>
+              </a:ext>
+            </a:extLst>
+          </p:cNvPr>
+          <p:cNvSpPr txBox="1"/>
+          <p:nvPr/>
+        </p:nvSpPr>
+        <p:spPr>
+          <a:xfrm>
+            <a:off x="9085012" y="1488544"/>
+            <a:ext cx="3205316" cy="369332"/>
+          </a:xfrm>
+          <a:prstGeom prst="rect">
+            <a:avLst/>
+          </a:prstGeom>
+          <a:noFill/>
+        </p:spPr>
+        <p:txBody>
+          <a:bodyPr wrap="square" rtlCol="0">
+            <a:spAutoFit/>
+          </a:bodyPr>
+          <a:lstStyle/>
+          <a:p>
+            <a:r>
+              <a:rPr lang="en-GB" dirty="0"/>
+              <a:t>New York</a:t>
+            </a:r>
+          </a:p>
+        </p:txBody>
+      </p:sp>
+      <p:pic>
+        <p:nvPicPr>
+          <p:cNvPr id="10" name="Picture 9">
+            <a:extLst>
+              <a:ext uri="{FF2B5EF4-FFF2-40B4-BE49-F238E27FC236}">
+                <a16:creationId xmlns:a16="http://schemas.microsoft.com/office/drawing/2014/main" id="{724A8A8F-B0B9-417B-B059-149DCBF40071}"/>
+              </a:ext>
+            </a:extLst>
+          </p:cNvPr>
+          <p:cNvPicPr/>
+          <p:nvPr/>
+        </p:nvPicPr>
+        <p:blipFill>
+          <a:blip r:embed="rId2"/>
+          <a:stretch>
+            <a:fillRect/>
+          </a:stretch>
+        </p:blipFill>
+        <p:spPr>
+          <a:xfrm>
+            <a:off x="7455839" y="2099991"/>
+            <a:ext cx="4475779" cy="3861532"/>
+          </a:xfrm>
+          <a:prstGeom prst="rect">
+            <a:avLst/>
+          </a:prstGeom>
+        </p:spPr>
+      </p:pic>
+      <p:sp>
+        <p:nvSpPr>
+          <p:cNvPr id="11" name="Content Placeholder 10">
+            <a:extLst>
+              <a:ext uri="{FF2B5EF4-FFF2-40B4-BE49-F238E27FC236}">
+                <a16:creationId xmlns:a16="http://schemas.microsoft.com/office/drawing/2014/main" id="{17DEFF9E-A71B-4D21-8779-AEBADAD66F2C}"/>
+              </a:ext>
+            </a:extLst>
+          </p:cNvPr>
+          <p:cNvSpPr>
+            <a:spLocks noGrp="1"/>
+          </p:cNvSpPr>
+          <p:nvPr>
+            <p:ph idx="1"/>
+          </p:nvPr>
+        </p:nvSpPr>
+        <p:spPr/>
+        <p:txBody>
+          <a:bodyPr/>
+          <a:lstStyle/>
+          <a:p>
+            <a:endParaRPr lang="en-GB" dirty="0"/>
+          </a:p>
+        </p:txBody>
+      </p:sp>
+      <p:pic>
+        <p:nvPicPr>
+          <p:cNvPr id="12" name="Picture 11">
+            <a:extLst>
+              <a:ext uri="{FF2B5EF4-FFF2-40B4-BE49-F238E27FC236}">
+                <a16:creationId xmlns:a16="http://schemas.microsoft.com/office/drawing/2014/main" id="{73CC41F1-9618-47EB-A11F-B7E4808656D8}"/>
+              </a:ext>
+            </a:extLst>
+          </p:cNvPr>
+          <p:cNvPicPr/>
+          <p:nvPr/>
+        </p:nvPicPr>
+        <p:blipFill>
+          <a:blip r:embed="rId3"/>
+          <a:stretch>
+            <a:fillRect/>
+          </a:stretch>
+        </p:blipFill>
+        <p:spPr>
+          <a:xfrm>
+            <a:off x="1174415" y="2158652"/>
+            <a:ext cx="5374006" cy="3032384"/>
+          </a:xfrm>
+          <a:prstGeom prst="rect">
+            <a:avLst/>
+          </a:prstGeom>
+        </p:spPr>
+      </p:pic>
+    </p:spTree>
+    <p:extLst>
+      <p:ext uri="{BB962C8B-B14F-4D97-AF65-F5344CB8AC3E}">
+        <p14:creationId xmlns:p14="http://schemas.microsoft.com/office/powerpoint/2010/main" val="863189693"/>
+      </p:ext>
+    </p:extLst>
+  </p:cSld>
+  <p:clrMapOvr>
+    <a:masterClrMapping/>
+  </p:clrMapOvr>
+</p:sld>
+</file>
+
+<file path=ppt/slides/slide7.xml><?xml version="1.0" encoding="utf-8"?>
+<p:sld xmlns:a="http://schemas.openxmlformats.org/drawingml/2006/main" xmlns:r="http://schemas.openxmlformats.org/officeDocument/2006/relationships" xmlns:p="http://schemas.openxmlformats.org/presentationml/2006/main">
+  <p:cSld>
+    <p:spTree>
+      <p:nvGrpSpPr>
+        <p:cNvPr id="1" name=""/>
+        <p:cNvGrpSpPr/>
+        <p:nvPr/>
+      </p:nvGrpSpPr>
+      <p:grpSpPr>
+        <a:xfrm>
+          <a:off x="0" y="0"/>
+          <a:ext cx="0" cy="0"/>
+          <a:chOff x="0" y="0"/>
+          <a:chExt cx="0" cy="0"/>
+        </a:xfrm>
+      </p:grpSpPr>
+      <p:sp>
+        <p:nvSpPr>
+          <p:cNvPr id="2" name="Title 1">
+            <a:extLst>
+              <a:ext uri="{FF2B5EF4-FFF2-40B4-BE49-F238E27FC236}">
+                <a16:creationId xmlns:a16="http://schemas.microsoft.com/office/drawing/2014/main" id="{2917F407-AF14-4F59-BA8B-7202AC23E155}"/>
+              </a:ext>
+            </a:extLst>
+          </p:cNvPr>
+          <p:cNvSpPr>
+            <a:spLocks noGrp="1"/>
+          </p:cNvSpPr>
+          <p:nvPr>
+            <p:ph type="title"/>
+          </p:nvPr>
+        </p:nvSpPr>
+        <p:spPr/>
+        <p:txBody>
+          <a:bodyPr/>
+          <a:lstStyle/>
+          <a:p>
+            <a:r>
+              <a:rPr lang="en-GB" dirty="0"/>
+              <a:t>After Clustering</a:t>
             </a:r>
           </a:p>
         </p:txBody>
@@ -6976,110 +7242,7 @@
     </p:spTree>
     <p:extLst>
       <p:ext uri="{BB962C8B-B14F-4D97-AF65-F5344CB8AC3E}">
-        <p14:creationId xmlns:p14="http://schemas.microsoft.com/office/powerpoint/2010/main" val="863189693"/>
-      </p:ext>
-    </p:extLst>
-  </p:cSld>
-  <p:clrMapOvr>
-    <a:masterClrMapping/>
-  </p:clrMapOvr>
-</p:sld>
-</file>
-
-<file path=ppt/slides/slide7.xml><?xml version="1.0" encoding="utf-8"?>
-<p:sld xmlns:a="http://schemas.openxmlformats.org/drawingml/2006/main" xmlns:r="http://schemas.openxmlformats.org/officeDocument/2006/relationships" xmlns:p="http://schemas.openxmlformats.org/presentationml/2006/main">
-  <p:cSld>
-    <p:spTree>
-      <p:nvGrpSpPr>
-        <p:cNvPr id="1" name=""/>
-        <p:cNvGrpSpPr/>
-        <p:nvPr/>
-      </p:nvGrpSpPr>
-      <p:grpSpPr>
-        <a:xfrm>
-          <a:off x="0" y="0"/>
-          <a:ext cx="0" cy="0"/>
-          <a:chOff x="0" y="0"/>
-          <a:chExt cx="0" cy="0"/>
-        </a:xfrm>
-      </p:grpSpPr>
-      <p:sp>
-        <p:nvSpPr>
-          <p:cNvPr id="2" name="Title 1">
-            <a:extLst>
-              <a:ext uri="{FF2B5EF4-FFF2-40B4-BE49-F238E27FC236}">
-                <a16:creationId xmlns:a16="http://schemas.microsoft.com/office/drawing/2014/main" id="{4CC4649A-BD03-49C7-A552-65DE21B845A4}"/>
-              </a:ext>
-            </a:extLst>
-          </p:cNvPr>
-          <p:cNvSpPr>
-            <a:spLocks noGrp="1"/>
-          </p:cNvSpPr>
-          <p:nvPr>
-            <p:ph type="title"/>
-          </p:nvPr>
-        </p:nvSpPr>
-        <p:spPr/>
-        <p:txBody>
-          <a:bodyPr/>
-          <a:lstStyle/>
-          <a:p>
-            <a:r>
-              <a:rPr lang="en-GB" dirty="0"/>
-              <a:t>Discussion</a:t>
-            </a:r>
-          </a:p>
-        </p:txBody>
-      </p:sp>
-      <p:sp>
-        <p:nvSpPr>
-          <p:cNvPr id="3" name="Content Placeholder 2">
-            <a:extLst>
-              <a:ext uri="{FF2B5EF4-FFF2-40B4-BE49-F238E27FC236}">
-                <a16:creationId xmlns:a16="http://schemas.microsoft.com/office/drawing/2014/main" id="{437D065A-1E54-4B3F-A9B7-98319C3A6D33}"/>
-              </a:ext>
-            </a:extLst>
-          </p:cNvPr>
-          <p:cNvSpPr>
-            <a:spLocks noGrp="1"/>
-          </p:cNvSpPr>
-          <p:nvPr>
-            <p:ph idx="1"/>
-          </p:nvPr>
-        </p:nvSpPr>
-        <p:spPr/>
-        <p:txBody>
-          <a:bodyPr>
-            <a:normAutofit fontScale="77500" lnSpcReduction="20000"/>
-          </a:bodyPr>
-          <a:lstStyle/>
-          <a:p>
-            <a:r>
-              <a:rPr lang="en-GB" dirty="0"/>
-              <a:t>I have implemented Unsupervised Machine Learning in the form of K-Means Clustering in order to group neighbourhoods across New York and Toronto according to their similarity in terms of venues nearby. </a:t>
-            </a:r>
-          </a:p>
-          <a:p>
-            <a:r>
-              <a:rPr lang="en-GB" dirty="0"/>
-              <a:t>The data was visualised and explored before implementing the algorithm to ensure that it was suitable. This led to the pre-processing and refinement of the data to ensure the data could be utilised and any redundant or erroneous data was removed.</a:t>
-            </a:r>
-          </a:p>
-          <a:p>
-            <a:r>
-              <a:rPr lang="en-GB" dirty="0"/>
-              <a:t>The algorithm can be further enhanced by providing additional data such as the average property prices and average income as well as the crime statistics of the neighbourhoods, which would allow for enhanced analysis and comparisons. This may lead to an increased number of clusters which would give the user an even better understanding of the neighbourhoods to explore further and assist in narrowing down the search for a suitable area.</a:t>
-            </a:r>
-          </a:p>
-          <a:p>
-            <a:endParaRPr lang="en-GB" dirty="0"/>
-          </a:p>
-        </p:txBody>
-      </p:sp>
-    </p:spTree>
-    <p:extLst>
-      <p:ext uri="{BB962C8B-B14F-4D97-AF65-F5344CB8AC3E}">
-        <p14:creationId xmlns:p14="http://schemas.microsoft.com/office/powerpoint/2010/main" val="1143655965"/>
+        <p14:creationId xmlns:p14="http://schemas.microsoft.com/office/powerpoint/2010/main" val="3921503973"/>
       </p:ext>
     </p:extLst>
   </p:cSld>
@@ -7111,6 +7274,109 @@
           <p:cNvPr id="2" name="Title 1">
             <a:extLst>
               <a:ext uri="{FF2B5EF4-FFF2-40B4-BE49-F238E27FC236}">
+                <a16:creationId xmlns:a16="http://schemas.microsoft.com/office/drawing/2014/main" id="{4CC4649A-BD03-49C7-A552-65DE21B845A4}"/>
+              </a:ext>
+            </a:extLst>
+          </p:cNvPr>
+          <p:cNvSpPr>
+            <a:spLocks noGrp="1"/>
+          </p:cNvSpPr>
+          <p:nvPr>
+            <p:ph type="title"/>
+          </p:nvPr>
+        </p:nvSpPr>
+        <p:spPr/>
+        <p:txBody>
+          <a:bodyPr/>
+          <a:lstStyle/>
+          <a:p>
+            <a:r>
+              <a:rPr lang="en-GB" dirty="0"/>
+              <a:t>Discussion</a:t>
+            </a:r>
+          </a:p>
+        </p:txBody>
+      </p:sp>
+      <p:sp>
+        <p:nvSpPr>
+          <p:cNvPr id="3" name="Content Placeholder 2">
+            <a:extLst>
+              <a:ext uri="{FF2B5EF4-FFF2-40B4-BE49-F238E27FC236}">
+                <a16:creationId xmlns:a16="http://schemas.microsoft.com/office/drawing/2014/main" id="{437D065A-1E54-4B3F-A9B7-98319C3A6D33}"/>
+              </a:ext>
+            </a:extLst>
+          </p:cNvPr>
+          <p:cNvSpPr>
+            <a:spLocks noGrp="1"/>
+          </p:cNvSpPr>
+          <p:nvPr>
+            <p:ph idx="1"/>
+          </p:nvPr>
+        </p:nvSpPr>
+        <p:spPr/>
+        <p:txBody>
+          <a:bodyPr>
+            <a:normAutofit fontScale="77500" lnSpcReduction="20000"/>
+          </a:bodyPr>
+          <a:lstStyle/>
+          <a:p>
+            <a:r>
+              <a:rPr lang="en-GB" dirty="0"/>
+              <a:t>I have implemented Unsupervised Machine Learning in the form of K-Means Clustering in order to group neighbourhoods across New York and Toronto according to their similarity in terms of venues nearby. </a:t>
+            </a:r>
+          </a:p>
+          <a:p>
+            <a:r>
+              <a:rPr lang="en-GB" dirty="0"/>
+              <a:t>The data was visualised and explored before implementing the algorithm to ensure that it was suitable. This led to the pre-processing and refinement of the data to ensure the data could be utilised and any redundant or erroneous data was removed.</a:t>
+            </a:r>
+          </a:p>
+          <a:p>
+            <a:r>
+              <a:rPr lang="en-GB" dirty="0"/>
+              <a:t>The algorithm can be further enhanced by providing additional data such as the average property prices and average income as well as the crime statistics of the neighbourhoods, which would allow for enhanced analysis and comparisons. This may lead to an increased number of clusters which would give the user an even better understanding of the neighbourhoods to explore further and assist in narrowing down the search for a suitable area.</a:t>
+            </a:r>
+          </a:p>
+          <a:p>
+            <a:endParaRPr lang="en-GB" dirty="0"/>
+          </a:p>
+        </p:txBody>
+      </p:sp>
+    </p:spTree>
+    <p:extLst>
+      <p:ext uri="{BB962C8B-B14F-4D97-AF65-F5344CB8AC3E}">
+        <p14:creationId xmlns:p14="http://schemas.microsoft.com/office/powerpoint/2010/main" val="1143655965"/>
+      </p:ext>
+    </p:extLst>
+  </p:cSld>
+  <p:clrMapOvr>
+    <a:masterClrMapping/>
+  </p:clrMapOvr>
+</p:sld>
+</file>
+
+<file path=ppt/slides/slide9.xml><?xml version="1.0" encoding="utf-8"?>
+<p:sld xmlns:a="http://schemas.openxmlformats.org/drawingml/2006/main" xmlns:r="http://schemas.openxmlformats.org/officeDocument/2006/relationships" xmlns:p="http://schemas.openxmlformats.org/presentationml/2006/main">
+  <p:cSld>
+    <p:spTree>
+      <p:nvGrpSpPr>
+        <p:cNvPr id="1" name=""/>
+        <p:cNvGrpSpPr/>
+        <p:nvPr/>
+      </p:nvGrpSpPr>
+      <p:grpSpPr>
+        <a:xfrm>
+          <a:off x="0" y="0"/>
+          <a:ext cx="0" cy="0"/>
+          <a:chOff x="0" y="0"/>
+          <a:chExt cx="0" cy="0"/>
+        </a:xfrm>
+      </p:grpSpPr>
+      <p:sp>
+        <p:nvSpPr>
+          <p:cNvPr id="2" name="Title 1">
+            <a:extLst>
+              <a:ext uri="{FF2B5EF4-FFF2-40B4-BE49-F238E27FC236}">
                 <a16:creationId xmlns:a16="http://schemas.microsoft.com/office/drawing/2014/main" id="{4E149EAC-DF8C-4001-92FC-037F53154808}"/>
               </a:ext>
             </a:extLst>
@@ -7159,15 +7425,7 @@
           <a:p>
             <a:r>
               <a:rPr lang="en-GB" dirty="0"/>
-              <a:t>In conclusion, the data was successfully imported, </a:t>
-            </a:r>
-            <a:r>
-              <a:rPr lang="en-GB" dirty="0" err="1"/>
-              <a:t>preprocessed</a:t>
-            </a:r>
-            <a:r>
-              <a:rPr lang="en-GB" dirty="0"/>
-              <a:t> and K-Means Clustering implemented to cluster the neighbourhoods into 4 categories. </a:t>
+              <a:t>In conclusion, the data was successfully imported, pre-processed and K-Means Clustering implemented to cluster the neighbourhoods into 4 categories. </a:t>
             </a:r>
           </a:p>
           <a:p>
